--- a/###algo.pptx
+++ b/###algo.pptx
@@ -8,7 +8,7 @@
     <p:sldMasterId id="2147483677" r:id="rId4"/>
   </p:sldMasterIdLst>
   <p:notesMasterIdLst>
-    <p:notesMasterId r:id="rId31"/>
+    <p:notesMasterId r:id="rId32"/>
   </p:notesMasterIdLst>
   <p:sldIdLst>
     <p:sldId id="291" r:id="rId5"/>
@@ -37,6 +37,7 @@
     <p:sldId id="341" r:id="rId28"/>
     <p:sldId id="263" r:id="rId29"/>
     <p:sldId id="340" r:id="rId30"/>
+    <p:sldId id="342" r:id="rId31"/>
   </p:sldIdLst>
   <p:sldSz cx="12192000" cy="6858000"/>
   <p:notesSz cx="6858000" cy="9144000"/>
@@ -198,6 +199,11 @@
           <p14:sldIdLst>
             <p14:sldId id="263"/>
             <p14:sldId id="340"/>
+          </p14:sldIdLst>
+        </p14:section>
+        <p14:section name="来期やりたいこと" id="{292F007E-60C0-4D4E-AA5B-5A49DA2B18A5}">
+          <p14:sldIdLst>
+            <p14:sldId id="342"/>
           </p14:sldIdLst>
         </p14:section>
       </p14:sectionLst>
@@ -1484,7 +1490,7 @@
           <a:p>
             <a:fld id="{9658A22A-E5D9-41D2-96B3-0C305ABBA05F}" type="datetimeFigureOut">
               <a:rPr kumimoji="1" lang="ja-JP" altLang="en-US" smtClean="0"/>
-              <a:t>2025/3/16</a:t>
+              <a:t>2025/3/20</a:t>
             </a:fld>
             <a:endParaRPr kumimoji="1" lang="ja-JP" altLang="en-US"/>
           </a:p>
@@ -2376,7 +2382,7 @@
           <a:p>
             <a:fld id="{E5CE2423-1C35-4C12-BAEC-CBD3693D0CE2}" type="datetimeFigureOut">
               <a:rPr kumimoji="1" lang="ja-JP" altLang="en-US" smtClean="0"/>
-              <a:t>2025/3/16</a:t>
+              <a:t>2025/3/20</a:t>
             </a:fld>
             <a:endParaRPr kumimoji="1" lang="ja-JP" altLang="en-US"/>
           </a:p>
@@ -2531,7 +2537,7 @@
             <a:fld id="{FCAFAC13-DB77-42F2-BE26-45BA5532FD50}" type="datetime4">
               <a:rPr lang="en-US" altLang="ja-JP" smtClean="0"/>
               <a:pPr/>
-              <a:t>March 16, 2025</a:t>
+              <a:t>March 20, 2025</a:t>
             </a:fld>
             <a:endParaRPr lang="en-US" dirty="0"/>
           </a:p>
@@ -2749,7 +2755,7 @@
             <a:fld id="{FCAFAC13-DB77-42F2-BE26-45BA5532FD50}" type="datetime4">
               <a:rPr lang="en-US" altLang="ja-JP" smtClean="0"/>
               <a:pPr/>
-              <a:t>March 16, 2025</a:t>
+              <a:t>March 20, 2025</a:t>
             </a:fld>
             <a:endParaRPr lang="en-US" dirty="0"/>
           </a:p>
@@ -2991,7 +2997,7 @@
             <a:fld id="{FCAFAC13-DB77-42F2-BE26-45BA5532FD50}" type="datetime4">
               <a:rPr lang="en-US" altLang="ja-JP" smtClean="0"/>
               <a:pPr/>
-              <a:t>March 16, 2025</a:t>
+              <a:t>March 20, 2025</a:t>
             </a:fld>
             <a:endParaRPr lang="en-US" dirty="0"/>
           </a:p>
@@ -3050,7 +3056,7 @@
           <a:p>
             <a:fld id="{0E4CB677-3B95-4E1A-884D-A1D76FAC06BA}" type="datetimeFigureOut">
               <a:rPr kumimoji="1" lang="ja-JP" altLang="en-US" smtClean="0"/>
-              <a:t>2025/3/16</a:t>
+              <a:t>2025/3/20</a:t>
             </a:fld>
             <a:endParaRPr kumimoji="1" lang="ja-JP" altLang="en-US"/>
           </a:p>
@@ -4556,7 +4562,7 @@
           <a:p>
             <a:fld id="{E5CE2423-1C35-4C12-BAEC-CBD3693D0CE2}" type="datetimeFigureOut">
               <a:rPr kumimoji="1" lang="ja-JP" altLang="en-US" smtClean="0"/>
-              <a:t>2025/3/16</a:t>
+              <a:t>2025/3/20</a:t>
             </a:fld>
             <a:endParaRPr kumimoji="1" lang="ja-JP" altLang="en-US"/>
           </a:p>
@@ -4990,7 +4996,7 @@
           <a:p>
             <a:fld id="{E5CE2423-1C35-4C12-BAEC-CBD3693D0CE2}" type="datetimeFigureOut">
               <a:rPr kumimoji="1" lang="ja-JP" altLang="en-US" smtClean="0"/>
-              <a:t>2025/3/16</a:t>
+              <a:t>2025/3/20</a:t>
             </a:fld>
             <a:endParaRPr kumimoji="1" lang="ja-JP" altLang="en-US"/>
           </a:p>
@@ -5293,7 +5299,7 @@
           <a:p>
             <a:fld id="{E5CE2423-1C35-4C12-BAEC-CBD3693D0CE2}" type="datetimeFigureOut">
               <a:rPr kumimoji="1" lang="ja-JP" altLang="en-US" smtClean="0"/>
-              <a:t>2025/3/16</a:t>
+              <a:t>2025/3/20</a:t>
             </a:fld>
             <a:endParaRPr kumimoji="1" lang="ja-JP" altLang="en-US"/>
           </a:p>
@@ -5509,7 +5515,7 @@
           <a:p>
             <a:fld id="{E5CE2423-1C35-4C12-BAEC-CBD3693D0CE2}" type="datetimeFigureOut">
               <a:rPr kumimoji="1" lang="ja-JP" altLang="en-US" smtClean="0"/>
-              <a:t>2025/3/16</a:t>
+              <a:t>2025/3/20</a:t>
             </a:fld>
             <a:endParaRPr kumimoji="1" lang="ja-JP" altLang="en-US"/>
           </a:p>
@@ -5799,7 +5805,7 @@
             <a:fld id="{FCAFAC13-DB77-42F2-BE26-45BA5532FD50}" type="datetime4">
               <a:rPr lang="en-US" altLang="ja-JP" smtClean="0"/>
               <a:pPr/>
-              <a:t>March 16, 2025</a:t>
+              <a:t>March 20, 2025</a:t>
             </a:fld>
             <a:endParaRPr lang="en-US" dirty="0"/>
           </a:p>
@@ -6210,7 +6216,7 @@
             <a:fld id="{FCAFAC13-DB77-42F2-BE26-45BA5532FD50}" type="datetime4">
               <a:rPr lang="en-US" altLang="ja-JP" smtClean="0"/>
               <a:pPr/>
-              <a:t>March 16, 2025</a:t>
+              <a:t>March 20, 2025</a:t>
             </a:fld>
             <a:endParaRPr lang="en-US" dirty="0"/>
           </a:p>
@@ -6542,7 +6548,7 @@
           <a:p>
             <a:fld id="{E5CE2423-1C35-4C12-BAEC-CBD3693D0CE2}" type="datetimeFigureOut">
               <a:rPr kumimoji="1" lang="ja-JP" altLang="en-US" smtClean="0"/>
-              <a:t>2025/3/16</a:t>
+              <a:t>2025/3/20</a:t>
             </a:fld>
             <a:endParaRPr kumimoji="1" lang="ja-JP" altLang="en-US"/>
           </a:p>
@@ -12894,7 +12900,7 @@
             <a:fld id="{FCAFAC13-DB77-42F2-BE26-45BA5532FD50}" type="datetime4">
               <a:rPr lang="en-US" altLang="ja-JP" smtClean="0"/>
               <a:pPr/>
-              <a:t>March 16, 2025</a:t>
+              <a:t>March 20, 2025</a:t>
             </a:fld>
             <a:endParaRPr lang="en-US" dirty="0"/>
           </a:p>
@@ -18805,7 +18811,7 @@
             <a:fld id="{FCAFAC13-DB77-42F2-BE26-45BA5532FD50}" type="datetime4">
               <a:rPr lang="en-US" altLang="ja-JP" smtClean="0"/>
               <a:pPr/>
-              <a:t>March 16, 2025</a:t>
+              <a:t>March 20, 2025</a:t>
             </a:fld>
             <a:endParaRPr lang="en-US" dirty="0"/>
           </a:p>
@@ -18894,7 +18900,7 @@
             <a:fld id="{FCAFAC13-DB77-42F2-BE26-45BA5532FD50}" type="datetime4">
               <a:rPr lang="en-US" altLang="ja-JP" smtClean="0"/>
               <a:pPr/>
-              <a:t>March 16, 2025</a:t>
+              <a:t>March 20, 2025</a:t>
             </a:fld>
             <a:endParaRPr lang="en-US" dirty="0"/>
           </a:p>
@@ -20322,7 +20328,7 @@
             <a:fld id="{FCAFAC13-DB77-42F2-BE26-45BA5532FD50}" type="datetime4">
               <a:rPr lang="en-US" altLang="ja-JP" smtClean="0"/>
               <a:pPr/>
-              <a:t>March 16, 2025</a:t>
+              <a:t>March 20, 2025</a:t>
             </a:fld>
             <a:endParaRPr lang="en-US" dirty="0"/>
           </a:p>
@@ -23239,7 +23245,7 @@
             <a:fld id="{FCAFAC13-DB77-42F2-BE26-45BA5532FD50}" type="datetime4">
               <a:rPr lang="en-US" altLang="ja-JP" smtClean="0"/>
               <a:pPr/>
-              <a:t>March 16, 2025</a:t>
+              <a:t>March 20, 2025</a:t>
             </a:fld>
             <a:endParaRPr lang="en-US" dirty="0"/>
           </a:p>
@@ -23977,7 +23983,7 @@
             <a:fld id="{FCAFAC13-DB77-42F2-BE26-45BA5532FD50}" type="datetime4">
               <a:rPr lang="en-US" altLang="ja-JP" smtClean="0"/>
               <a:pPr/>
-              <a:t>March 16, 2025</a:t>
+              <a:t>March 20, 2025</a:t>
             </a:fld>
             <a:endParaRPr lang="en-US" dirty="0"/>
           </a:p>
@@ -25665,7 +25671,7 @@
             <a:fld id="{FCAFAC13-DB77-42F2-BE26-45BA5532FD50}" type="datetime4">
               <a:rPr lang="en-US" altLang="ja-JP" smtClean="0"/>
               <a:pPr/>
-              <a:t>March 16, 2025</a:t>
+              <a:t>March 20, 2025</a:t>
             </a:fld>
             <a:endParaRPr lang="en-US" dirty="0"/>
           </a:p>
@@ -26245,7 +26251,7 @@
             <a:fld id="{FCAFAC13-DB77-42F2-BE26-45BA5532FD50}" type="datetime4">
               <a:rPr lang="en-US" altLang="ja-JP" smtClean="0"/>
               <a:pPr/>
-              <a:t>March 16, 2025</a:t>
+              <a:t>March 20, 2025</a:t>
             </a:fld>
             <a:endParaRPr lang="en-US" dirty="0"/>
           </a:p>
@@ -26420,7 +26426,7 @@
             <a:fld id="{FCAFAC13-DB77-42F2-BE26-45BA5532FD50}" type="datetime4">
               <a:rPr lang="en-US" altLang="ja-JP" smtClean="0"/>
               <a:pPr/>
-              <a:t>March 16, 2025</a:t>
+              <a:t>March 20, 2025</a:t>
             </a:fld>
             <a:endParaRPr lang="en-US" dirty="0"/>
           </a:p>
@@ -29200,7 +29206,7 @@
             <a:fld id="{FCAFAC13-DB77-42F2-BE26-45BA5532FD50}" type="datetime4">
               <a:rPr lang="en-US" altLang="ja-JP" smtClean="0"/>
               <a:pPr/>
-              <a:t>March 16, 2025</a:t>
+              <a:t>March 20, 2025</a:t>
             </a:fld>
             <a:endParaRPr lang="en-US" dirty="0"/>
           </a:p>
@@ -29313,7 +29319,7 @@
             <a:fld id="{FCAFAC13-DB77-42F2-BE26-45BA5532FD50}" type="datetime4">
               <a:rPr lang="en-US" altLang="ja-JP" smtClean="0"/>
               <a:pPr/>
-              <a:t>March 16, 2025</a:t>
+              <a:t>March 20, 2025</a:t>
             </a:fld>
             <a:endParaRPr lang="en-US" dirty="0"/>
           </a:p>
@@ -30009,7 +30015,7 @@
             <a:fld id="{FCAFAC13-DB77-42F2-BE26-45BA5532FD50}" type="datetime4">
               <a:rPr lang="en-US" altLang="ja-JP" smtClean="0"/>
               <a:pPr/>
-              <a:t>March 16, 2025</a:t>
+              <a:t>March 20, 2025</a:t>
             </a:fld>
             <a:endParaRPr lang="en-US" dirty="0"/>
           </a:p>
@@ -30135,7 +30141,7 @@
             <a:fld id="{FCAFAC13-DB77-42F2-BE26-45BA5532FD50}" type="datetime4">
               <a:rPr lang="en-US" altLang="ja-JP" smtClean="0"/>
               <a:pPr/>
-              <a:t>March 16, 2025</a:t>
+              <a:t>March 20, 2025</a:t>
             </a:fld>
             <a:endParaRPr lang="en-US" dirty="0"/>
           </a:p>
@@ -32507,7 +32513,7 @@
             <a:fld id="{FCAFAC13-DB77-42F2-BE26-45BA5532FD50}" type="datetime4">
               <a:rPr lang="en-US" altLang="ja-JP" smtClean="0"/>
               <a:pPr/>
-              <a:t>March 16, 2025</a:t>
+              <a:t>March 20, 2025</a:t>
             </a:fld>
             <a:endParaRPr lang="en-US" dirty="0"/>
           </a:p>
@@ -37609,7 +37615,7 @@
             <a:fld id="{FCAFAC13-DB77-42F2-BE26-45BA5532FD50}" type="datetime4">
               <a:rPr lang="en-US" altLang="ja-JP" smtClean="0"/>
               <a:pPr/>
-              <a:t>March 16, 2025</a:t>
+              <a:t>March 20, 2025</a:t>
             </a:fld>
             <a:endParaRPr lang="en-US" dirty="0"/>
           </a:p>
@@ -37771,7 +37777,7 @@
             <a:fld id="{FCAFAC13-DB77-42F2-BE26-45BA5532FD50}" type="datetime4">
               <a:rPr lang="en-US" altLang="ja-JP" smtClean="0"/>
               <a:pPr/>
-              <a:t>March 16, 2025</a:t>
+              <a:t>March 20, 2025</a:t>
             </a:fld>
             <a:endParaRPr lang="en-US" dirty="0"/>
           </a:p>
@@ -37895,7 +37901,7 @@
             <a:fld id="{FCAFAC13-DB77-42F2-BE26-45BA5532FD50}" type="datetime4">
               <a:rPr lang="en-US" altLang="ja-JP" smtClean="0"/>
               <a:pPr/>
-              <a:t>March 16, 2025</a:t>
+              <a:t>March 20, 2025</a:t>
             </a:fld>
             <a:endParaRPr lang="en-US" dirty="0"/>
           </a:p>
@@ -39852,7 +39858,7 @@
             <a:fld id="{FCAFAC13-DB77-42F2-BE26-45BA5532FD50}" type="datetime4">
               <a:rPr lang="en-US" altLang="ja-JP" smtClean="0"/>
               <a:pPr/>
-              <a:t>March 18, 2025</a:t>
+              <a:t>March 20, 2025</a:t>
             </a:fld>
             <a:endParaRPr lang="en-US" dirty="0"/>
           </a:p>
@@ -45539,7 +45545,7 @@
             <a:fld id="{FCAFAC13-DB77-42F2-BE26-45BA5532FD50}" type="datetime4">
               <a:rPr lang="en-US" altLang="ja-JP" smtClean="0"/>
               <a:pPr/>
-              <a:t>March 16, 2025</a:t>
+              <a:t>March 20, 2025</a:t>
             </a:fld>
             <a:endParaRPr lang="en-US" dirty="0"/>
           </a:p>
@@ -45549,6 +45555,1126 @@
     <p:extLst>
       <p:ext uri="{BB962C8B-B14F-4D97-AF65-F5344CB8AC3E}">
         <p14:creationId xmlns:p14="http://schemas.microsoft.com/office/powerpoint/2010/main" val="619920752"/>
+      </p:ext>
+    </p:extLst>
+  </p:cSld>
+  <p:clrMapOvr>
+    <a:masterClrMapping/>
+  </p:clrMapOvr>
+</p:sld>
+</file>
+
+<file path=ppt/slides/slide27.xml><?xml version="1.0" encoding="utf-8"?>
+<p:sld xmlns:a="http://schemas.openxmlformats.org/drawingml/2006/main" xmlns:r="http://schemas.openxmlformats.org/officeDocument/2006/relationships" xmlns:p="http://schemas.openxmlformats.org/presentationml/2006/main">
+  <p:cSld>
+    <p:spTree>
+      <p:nvGrpSpPr>
+        <p:cNvPr id="1" name=""/>
+        <p:cNvGrpSpPr/>
+        <p:nvPr/>
+      </p:nvGrpSpPr>
+      <p:grpSpPr>
+        <a:xfrm>
+          <a:off x="0" y="0"/>
+          <a:ext cx="0" cy="0"/>
+          <a:chOff x="0" y="0"/>
+          <a:chExt cx="0" cy="0"/>
+        </a:xfrm>
+      </p:grpSpPr>
+      <p:sp>
+        <p:nvSpPr>
+          <p:cNvPr id="2" name="テキスト プレースホルダー 1">
+            <a:extLst>
+              <a:ext uri="{FF2B5EF4-FFF2-40B4-BE49-F238E27FC236}">
+                <a16:creationId xmlns:a16="http://schemas.microsoft.com/office/drawing/2014/main" id="{D1032652-E0AD-47A2-9F63-B01157268D21}"/>
+              </a:ext>
+            </a:extLst>
+          </p:cNvPr>
+          <p:cNvSpPr>
+            <a:spLocks noGrp="1"/>
+          </p:cNvSpPr>
+          <p:nvPr>
+            <p:ph type="body" sz="quarter" idx="18"/>
+          </p:nvPr>
+        </p:nvSpPr>
+        <p:spPr/>
+        <p:txBody>
+          <a:bodyPr/>
+          <a:lstStyle/>
+          <a:p>
+            <a:pPr>
+              <a:lnSpc>
+                <a:spcPts val="3000"/>
+              </a:lnSpc>
+            </a:pPr>
+            <a:r>
+              <a:rPr lang="ja-JP" altLang="en-US" sz="2000" b="0" dirty="0"/>
+              <a:t>■実現したいこと</a:t>
+            </a:r>
+            <a:endParaRPr lang="en-US" altLang="ja-JP" sz="2000" b="0" dirty="0"/>
+          </a:p>
+          <a:p>
+            <a:pPr>
+              <a:lnSpc>
+                <a:spcPts val="3000"/>
+              </a:lnSpc>
+            </a:pPr>
+            <a:r>
+              <a:rPr lang="ja-JP" altLang="en-US" sz="2000" b="0" dirty="0"/>
+              <a:t>・工務（ヒト）が手動でやっているかんばん枚数の設定を自動化したい</a:t>
+            </a:r>
+            <a:endParaRPr lang="en-US" altLang="ja-JP" sz="2000" b="0" dirty="0"/>
+          </a:p>
+          <a:p>
+            <a:pPr>
+              <a:lnSpc>
+                <a:spcPts val="3000"/>
+              </a:lnSpc>
+            </a:pPr>
+            <a:r>
+              <a:rPr lang="ja-JP" altLang="en-US" sz="2000" b="0" dirty="0"/>
+              <a:t>・現状、工務はデータもとにかんばんメンテできていない</a:t>
+            </a:r>
+            <a:endParaRPr lang="en-US" altLang="ja-JP" sz="2000" b="0" dirty="0"/>
+          </a:p>
+          <a:p>
+            <a:pPr>
+              <a:lnSpc>
+                <a:spcPts val="3000"/>
+              </a:lnSpc>
+            </a:pPr>
+            <a:r>
+              <a:rPr lang="ja-JP" altLang="en-US" sz="2000" b="0" dirty="0"/>
+              <a:t>　</a:t>
+            </a:r>
+            <a:r>
+              <a:rPr lang="en-US" altLang="ja-JP" sz="2000" b="0" dirty="0"/>
+              <a:t>23</a:t>
+            </a:r>
+            <a:r>
+              <a:rPr lang="ja-JP" altLang="en-US" sz="2000" b="0" dirty="0"/>
+              <a:t>年にもの革が工務の業革支援を実施したところ○○</a:t>
+            </a:r>
+            <a:r>
+              <a:rPr lang="en-US" altLang="ja-JP" sz="2000" b="0" dirty="0"/>
+              <a:t>%</a:t>
+            </a:r>
+            <a:r>
+              <a:rPr lang="ja-JP" altLang="en-US" sz="2000" b="0" dirty="0"/>
+              <a:t>かんばん削減につながった</a:t>
+            </a:r>
+            <a:endParaRPr lang="en-US" altLang="ja-JP" sz="2000" b="0" dirty="0"/>
+          </a:p>
+          <a:p>
+            <a:pPr>
+              <a:lnSpc>
+                <a:spcPts val="3000"/>
+              </a:lnSpc>
+            </a:pPr>
+            <a:r>
+              <a:rPr lang="ja-JP" altLang="en-US" sz="2000" b="0" dirty="0"/>
+              <a:t>　これを生成</a:t>
+            </a:r>
+            <a:r>
+              <a:rPr lang="en-US" altLang="ja-JP" sz="2000" b="0" dirty="0"/>
+              <a:t>AI</a:t>
+            </a:r>
+            <a:r>
+              <a:rPr lang="ja-JP" altLang="en-US" sz="2000" b="0" dirty="0"/>
+              <a:t>等活用して自動化したい。全社に展開して在庫を適正化したい</a:t>
+            </a:r>
+            <a:endParaRPr lang="en-US" altLang="ja-JP" dirty="0"/>
+          </a:p>
+        </p:txBody>
+      </p:sp>
+      <p:sp>
+        <p:nvSpPr>
+          <p:cNvPr id="3" name="テキスト プレースホルダー 2">
+            <a:extLst>
+              <a:ext uri="{FF2B5EF4-FFF2-40B4-BE49-F238E27FC236}">
+                <a16:creationId xmlns:a16="http://schemas.microsoft.com/office/drawing/2014/main" id="{DDF08D77-B932-23F5-F339-C0083D6CCB87}"/>
+              </a:ext>
+            </a:extLst>
+          </p:cNvPr>
+          <p:cNvSpPr>
+            <a:spLocks noGrp="1"/>
+          </p:cNvSpPr>
+          <p:nvPr>
+            <p:ph type="body" sz="quarter" idx="20"/>
+          </p:nvPr>
+        </p:nvSpPr>
+        <p:spPr/>
+        <p:txBody>
+          <a:bodyPr/>
+          <a:lstStyle/>
+          <a:p>
+            <a:r>
+              <a:rPr kumimoji="1" lang="en-US" altLang="ja-JP" dirty="0"/>
+              <a:t>【</a:t>
+            </a:r>
+            <a:r>
+              <a:rPr kumimoji="1" lang="ja-JP" altLang="en-US" dirty="0"/>
+              <a:t>来期テーマ</a:t>
+            </a:r>
+            <a:r>
+              <a:rPr kumimoji="1" lang="en-US" altLang="ja-JP" dirty="0"/>
+              <a:t>】</a:t>
+            </a:r>
+            <a:r>
+              <a:rPr kumimoji="1" lang="ja-JP" altLang="en-US" dirty="0"/>
+              <a:t>かんばん設計エージェント</a:t>
+            </a:r>
+            <a:r>
+              <a:rPr kumimoji="1" lang="en-US" altLang="ja-JP" dirty="0"/>
+              <a:t>PoC</a:t>
+            </a:r>
+            <a:endParaRPr kumimoji="1" lang="ja-JP" altLang="en-US" dirty="0"/>
+          </a:p>
+        </p:txBody>
+      </p:sp>
+      <p:sp>
+        <p:nvSpPr>
+          <p:cNvPr id="4" name="日付プレースホルダー 3">
+            <a:extLst>
+              <a:ext uri="{FF2B5EF4-FFF2-40B4-BE49-F238E27FC236}">
+                <a16:creationId xmlns:a16="http://schemas.microsoft.com/office/drawing/2014/main" id="{05985B10-2A69-A646-745F-D2AAC85BACBF}"/>
+              </a:ext>
+            </a:extLst>
+          </p:cNvPr>
+          <p:cNvSpPr>
+            <a:spLocks noGrp="1"/>
+          </p:cNvSpPr>
+          <p:nvPr>
+            <p:ph type="dt" sz="half" idx="19"/>
+          </p:nvPr>
+        </p:nvSpPr>
+        <p:spPr/>
+        <p:txBody>
+          <a:bodyPr/>
+          <a:lstStyle/>
+          <a:p>
+            <a:fld id="{FCAFAC13-DB77-42F2-BE26-45BA5532FD50}" type="datetime4">
+              <a:rPr lang="en-US" altLang="ja-JP" smtClean="0"/>
+              <a:pPr/>
+              <a:t>March 20, 2025</a:t>
+            </a:fld>
+            <a:endParaRPr lang="en-US" dirty="0"/>
+          </a:p>
+        </p:txBody>
+      </p:sp>
+      <p:sp>
+        <p:nvSpPr>
+          <p:cNvPr id="5" name="フローチャート: 磁気ディスク 4">
+            <a:extLst>
+              <a:ext uri="{FF2B5EF4-FFF2-40B4-BE49-F238E27FC236}">
+                <a16:creationId xmlns:a16="http://schemas.microsoft.com/office/drawing/2014/main" id="{E003CE1B-3662-C984-C264-F1B180840E5E}"/>
+              </a:ext>
+            </a:extLst>
+          </p:cNvPr>
+          <p:cNvSpPr/>
+          <p:nvPr/>
+        </p:nvSpPr>
+        <p:spPr>
+          <a:xfrm>
+            <a:off x="1459159" y="3253154"/>
+            <a:ext cx="996463" cy="774790"/>
+          </a:xfrm>
+          <a:prstGeom prst="flowChartMagneticDisk">
+            <a:avLst/>
+          </a:prstGeom>
+          <a:solidFill>
+            <a:schemeClr val="accent3">
+              <a:lumMod val="20000"/>
+              <a:lumOff val="80000"/>
+            </a:schemeClr>
+          </a:solidFill>
+        </p:spPr>
+        <p:style>
+          <a:lnRef idx="2">
+            <a:schemeClr val="accent1">
+              <a:shade val="15000"/>
+            </a:schemeClr>
+          </a:lnRef>
+          <a:fillRef idx="1">
+            <a:schemeClr val="accent1"/>
+          </a:fillRef>
+          <a:effectRef idx="0">
+            <a:schemeClr val="accent1"/>
+          </a:effectRef>
+          <a:fontRef idx="minor">
+            <a:schemeClr val="lt1"/>
+          </a:fontRef>
+        </p:style>
+        <p:txBody>
+          <a:bodyPr rtlCol="0" anchor="ctr"/>
+          <a:lstStyle/>
+          <a:p>
+            <a:pPr algn="ctr"/>
+            <a:endParaRPr kumimoji="1" lang="ja-JP" altLang="en-US"/>
+          </a:p>
+        </p:txBody>
+      </p:sp>
+      <p:sp>
+        <p:nvSpPr>
+          <p:cNvPr id="6" name="テキスト ボックス 5">
+            <a:extLst>
+              <a:ext uri="{FF2B5EF4-FFF2-40B4-BE49-F238E27FC236}">
+                <a16:creationId xmlns:a16="http://schemas.microsoft.com/office/drawing/2014/main" id="{38A10F0F-EC93-1208-87A5-BA933DFFA372}"/>
+              </a:ext>
+            </a:extLst>
+          </p:cNvPr>
+          <p:cNvSpPr txBox="1"/>
+          <p:nvPr/>
+        </p:nvSpPr>
+        <p:spPr>
+          <a:xfrm>
+            <a:off x="1586134" y="4027944"/>
+            <a:ext cx="742511" cy="369332"/>
+          </a:xfrm>
+          <a:prstGeom prst="rect">
+            <a:avLst/>
+          </a:prstGeom>
+          <a:noFill/>
+        </p:spPr>
+        <p:txBody>
+          <a:bodyPr wrap="none" rtlCol="0">
+            <a:spAutoFit/>
+          </a:bodyPr>
+          <a:lstStyle/>
+          <a:p>
+            <a:r>
+              <a:rPr kumimoji="1" lang="en-US" altLang="ja-JP" dirty="0"/>
+              <a:t>IoTPF</a:t>
+            </a:r>
+            <a:endParaRPr kumimoji="1" lang="ja-JP" altLang="en-US" dirty="0"/>
+          </a:p>
+        </p:txBody>
+      </p:sp>
+      <p:sp>
+        <p:nvSpPr>
+          <p:cNvPr id="7" name="フローチャート: 複数書類 6">
+            <a:extLst>
+              <a:ext uri="{FF2B5EF4-FFF2-40B4-BE49-F238E27FC236}">
+                <a16:creationId xmlns:a16="http://schemas.microsoft.com/office/drawing/2014/main" id="{88257114-522E-1852-3455-DC47F33DB499}"/>
+              </a:ext>
+            </a:extLst>
+          </p:cNvPr>
+          <p:cNvSpPr/>
+          <p:nvPr/>
+        </p:nvSpPr>
+        <p:spPr>
+          <a:xfrm>
+            <a:off x="1394918" y="4874353"/>
+            <a:ext cx="1060704" cy="758952"/>
+          </a:xfrm>
+          <a:prstGeom prst="flowChartMultidocument">
+            <a:avLst/>
+          </a:prstGeom>
+          <a:solidFill>
+            <a:schemeClr val="accent3">
+              <a:lumMod val="20000"/>
+              <a:lumOff val="80000"/>
+            </a:schemeClr>
+          </a:solidFill>
+        </p:spPr>
+        <p:style>
+          <a:lnRef idx="2">
+            <a:schemeClr val="accent1">
+              <a:shade val="15000"/>
+            </a:schemeClr>
+          </a:lnRef>
+          <a:fillRef idx="1">
+            <a:schemeClr val="accent1"/>
+          </a:fillRef>
+          <a:effectRef idx="0">
+            <a:schemeClr val="accent1"/>
+          </a:effectRef>
+          <a:fontRef idx="minor">
+            <a:schemeClr val="lt1"/>
+          </a:fontRef>
+        </p:style>
+        <p:txBody>
+          <a:bodyPr rtlCol="0" anchor="ctr"/>
+          <a:lstStyle/>
+          <a:p>
+            <a:pPr algn="ctr"/>
+            <a:endParaRPr kumimoji="1" lang="ja-JP" altLang="en-US"/>
+          </a:p>
+        </p:txBody>
+      </p:sp>
+      <p:sp>
+        <p:nvSpPr>
+          <p:cNvPr id="8" name="テキスト ボックス 7">
+            <a:extLst>
+              <a:ext uri="{FF2B5EF4-FFF2-40B4-BE49-F238E27FC236}">
+                <a16:creationId xmlns:a16="http://schemas.microsoft.com/office/drawing/2014/main" id="{D6B61294-3DBF-C0F1-E0C3-5F0A1C1E9278}"/>
+              </a:ext>
+            </a:extLst>
+          </p:cNvPr>
+          <p:cNvSpPr txBox="1"/>
+          <p:nvPr/>
+        </p:nvSpPr>
+        <p:spPr>
+          <a:xfrm>
+            <a:off x="595477" y="5805521"/>
+            <a:ext cx="2723823" cy="369332"/>
+          </a:xfrm>
+          <a:prstGeom prst="rect">
+            <a:avLst/>
+          </a:prstGeom>
+          <a:noFill/>
+        </p:spPr>
+        <p:txBody>
+          <a:bodyPr wrap="none" rtlCol="0">
+            <a:spAutoFit/>
+          </a:bodyPr>
+          <a:lstStyle/>
+          <a:p>
+            <a:r>
+              <a:rPr kumimoji="1" lang="ja-JP" altLang="en-US" dirty="0"/>
+              <a:t>かんばん設計マニュアル</a:t>
+            </a:r>
+            <a:endParaRPr kumimoji="1" lang="en-US" altLang="ja-JP" dirty="0"/>
+          </a:p>
+        </p:txBody>
+      </p:sp>
+      <p:pic>
+        <p:nvPicPr>
+          <p:cNvPr id="1026" name="Picture 2" descr="Claude AI 2025 Reviews &amp; Information | Gold Penguin">
+            <a:extLst>
+              <a:ext uri="{FF2B5EF4-FFF2-40B4-BE49-F238E27FC236}">
+                <a16:creationId xmlns:a16="http://schemas.microsoft.com/office/drawing/2014/main" id="{88ADB4FF-0BD7-7719-7281-3F008AFA8855}"/>
+              </a:ext>
+            </a:extLst>
+          </p:cNvPr>
+          <p:cNvPicPr>
+            <a:picLocks noChangeAspect="1" noChangeArrowheads="1"/>
+          </p:cNvPicPr>
+          <p:nvPr/>
+        </p:nvPicPr>
+        <p:blipFill>
+          <a:blip r:embed="rId2" cstate="print">
+            <a:extLst>
+              <a:ext uri="{28A0092B-C50C-407E-A947-70E740481C1C}">
+                <a14:useLocalDpi xmlns:a14="http://schemas.microsoft.com/office/drawing/2010/main" val="0"/>
+              </a:ext>
+            </a:extLst>
+          </a:blip>
+          <a:srcRect/>
+          <a:stretch>
+            <a:fillRect/>
+          </a:stretch>
+        </p:blipFill>
+        <p:spPr bwMode="auto">
+          <a:xfrm>
+            <a:off x="3896689" y="4027944"/>
+            <a:ext cx="1014973" cy="1014973"/>
+          </a:xfrm>
+          <a:prstGeom prst="rect">
+            <a:avLst/>
+          </a:prstGeom>
+          <a:noFill/>
+          <a:extLst>
+            <a:ext uri="{909E8E84-426E-40DD-AFC4-6F175D3DCCD1}">
+              <a14:hiddenFill xmlns:a14="http://schemas.microsoft.com/office/drawing/2010/main">
+                <a:solidFill>
+                  <a:srgbClr val="FFFFFF"/>
+                </a:solidFill>
+              </a14:hiddenFill>
+            </a:ext>
+          </a:extLst>
+        </p:spPr>
+      </p:pic>
+      <p:cxnSp>
+        <p:nvCxnSpPr>
+          <p:cNvPr id="10" name="コネクタ: カギ線 9">
+            <a:extLst>
+              <a:ext uri="{FF2B5EF4-FFF2-40B4-BE49-F238E27FC236}">
+                <a16:creationId xmlns:a16="http://schemas.microsoft.com/office/drawing/2014/main" id="{CD5091BD-5231-629C-3794-51C7F5648BA2}"/>
+              </a:ext>
+            </a:extLst>
+          </p:cNvPr>
+          <p:cNvCxnSpPr>
+            <a:cxnSpLocks/>
+            <a:stCxn id="5" idx="4"/>
+            <a:endCxn id="1026" idx="1"/>
+          </p:cNvCxnSpPr>
+          <p:nvPr/>
+        </p:nvCxnSpPr>
+        <p:spPr>
+          <a:xfrm>
+            <a:off x="2455622" y="3640549"/>
+            <a:ext cx="1441067" cy="894882"/>
+          </a:xfrm>
+          <a:prstGeom prst="bentConnector3">
+            <a:avLst/>
+          </a:prstGeom>
+          <a:ln>
+            <a:tailEnd type="triangle"/>
+          </a:ln>
+        </p:spPr>
+        <p:style>
+          <a:lnRef idx="1">
+            <a:schemeClr val="accent1"/>
+          </a:lnRef>
+          <a:fillRef idx="0">
+            <a:schemeClr val="accent1"/>
+          </a:fillRef>
+          <a:effectRef idx="0">
+            <a:schemeClr val="accent1"/>
+          </a:effectRef>
+          <a:fontRef idx="minor">
+            <a:schemeClr val="tx1"/>
+          </a:fontRef>
+        </p:style>
+      </p:cxnSp>
+      <p:cxnSp>
+        <p:nvCxnSpPr>
+          <p:cNvPr id="14" name="コネクタ: カギ線 13">
+            <a:extLst>
+              <a:ext uri="{FF2B5EF4-FFF2-40B4-BE49-F238E27FC236}">
+                <a16:creationId xmlns:a16="http://schemas.microsoft.com/office/drawing/2014/main" id="{C42DAFD7-1266-1AA0-7ED1-31E4A47FED27}"/>
+              </a:ext>
+            </a:extLst>
+          </p:cNvPr>
+          <p:cNvCxnSpPr>
+            <a:cxnSpLocks/>
+            <a:stCxn id="7" idx="3"/>
+            <a:endCxn id="1026" idx="1"/>
+          </p:cNvCxnSpPr>
+          <p:nvPr/>
+        </p:nvCxnSpPr>
+        <p:spPr>
+          <a:xfrm flipV="1">
+            <a:off x="2455622" y="4535431"/>
+            <a:ext cx="1441067" cy="718398"/>
+          </a:xfrm>
+          <a:prstGeom prst="bentConnector3">
+            <a:avLst/>
+          </a:prstGeom>
+          <a:ln>
+            <a:tailEnd type="triangle"/>
+          </a:ln>
+        </p:spPr>
+        <p:style>
+          <a:lnRef idx="1">
+            <a:schemeClr val="accent1"/>
+          </a:lnRef>
+          <a:fillRef idx="0">
+            <a:schemeClr val="accent1"/>
+          </a:fillRef>
+          <a:effectRef idx="0">
+            <a:schemeClr val="accent1"/>
+          </a:effectRef>
+          <a:fontRef idx="minor">
+            <a:schemeClr val="tx1"/>
+          </a:fontRef>
+        </p:style>
+      </p:cxnSp>
+      <p:sp>
+        <p:nvSpPr>
+          <p:cNvPr id="21" name="テキスト プレースホルダー 1">
+            <a:extLst>
+              <a:ext uri="{FF2B5EF4-FFF2-40B4-BE49-F238E27FC236}">
+                <a16:creationId xmlns:a16="http://schemas.microsoft.com/office/drawing/2014/main" id="{3FD64118-BC8A-6BB2-80CD-8D62DE8CBB58}"/>
+              </a:ext>
+            </a:extLst>
+          </p:cNvPr>
+          <p:cNvSpPr txBox="1">
+            <a:spLocks/>
+          </p:cNvSpPr>
+          <p:nvPr/>
+        </p:nvSpPr>
+        <p:spPr>
+          <a:xfrm>
+            <a:off x="595477" y="919796"/>
+            <a:ext cx="11341555" cy="5637600"/>
+          </a:xfrm>
+          <a:prstGeom prst="rect">
+            <a:avLst/>
+          </a:prstGeom>
+        </p:spPr>
+        <p:txBody>
+          <a:bodyPr/>
+          <a:lstStyle>
+            <a:lvl1pPr marL="0" marR="0" indent="0" algn="l" defTabSz="914400" rtl="0" eaLnBrk="1" fontAlgn="auto" latinLnBrk="0" hangingPunct="1">
+              <a:lnSpc>
+                <a:spcPct val="100000"/>
+              </a:lnSpc>
+              <a:spcBef>
+                <a:spcPts val="0"/>
+              </a:spcBef>
+              <a:spcAft>
+                <a:spcPts val="0"/>
+              </a:spcAft>
+              <a:buClrTx/>
+              <a:buSzTx/>
+              <a:buFont typeface="Arial" panose="020B0604020202020204" pitchFamily="34" charset="0"/>
+              <a:buNone/>
+              <a:tabLst/>
+              <a:defRPr kumimoji="1" sz="2100" b="1" kern="1200" baseline="0">
+                <a:solidFill>
+                  <a:srgbClr val="333333"/>
+                </a:solidFill>
+                <a:latin typeface="メイリオ" panose="020B0604030504040204" pitchFamily="50" charset="-128"/>
+                <a:ea typeface="メイリオ" panose="020B0604030504040204" pitchFamily="50" charset="-128"/>
+                <a:cs typeface="メイリオ" panose="020B0604030504040204" pitchFamily="50" charset="-128"/>
+              </a:defRPr>
+            </a:lvl1pPr>
+            <a:lvl2pPr marL="457200" marR="0" indent="0" algn="l" defTabSz="914400" rtl="0" eaLnBrk="1" fontAlgn="auto" latinLnBrk="0" hangingPunct="1">
+              <a:lnSpc>
+                <a:spcPct val="100000"/>
+              </a:lnSpc>
+              <a:spcBef>
+                <a:spcPts val="500"/>
+              </a:spcBef>
+              <a:spcAft>
+                <a:spcPts val="0"/>
+              </a:spcAft>
+              <a:buClrTx/>
+              <a:buSzTx/>
+              <a:buFont typeface="Arial" panose="020B0604020202020204" pitchFamily="34" charset="0"/>
+              <a:buNone/>
+              <a:tabLst/>
+              <a:defRPr kumimoji="1" sz="1600" b="1" kern="1200" baseline="0">
+                <a:solidFill>
+                  <a:srgbClr val="333333"/>
+                </a:solidFill>
+                <a:latin typeface="メイリオ" panose="020B0604030504040204" pitchFamily="50" charset="-128"/>
+                <a:ea typeface="メイリオ" panose="020B0604030504040204" pitchFamily="50" charset="-128"/>
+                <a:cs typeface="メイリオ" panose="020B0604030504040204" pitchFamily="50" charset="-128"/>
+              </a:defRPr>
+            </a:lvl2pPr>
+            <a:lvl3pPr marL="914400" marR="0" indent="0" algn="l" defTabSz="914400" rtl="0" eaLnBrk="1" fontAlgn="auto" latinLnBrk="0" hangingPunct="1">
+              <a:lnSpc>
+                <a:spcPct val="100000"/>
+              </a:lnSpc>
+              <a:spcBef>
+                <a:spcPts val="500"/>
+              </a:spcBef>
+              <a:spcAft>
+                <a:spcPts val="0"/>
+              </a:spcAft>
+              <a:buClrTx/>
+              <a:buSzTx/>
+              <a:buFont typeface="Arial" panose="020B0604020202020204" pitchFamily="34" charset="0"/>
+              <a:buNone/>
+              <a:tabLst/>
+              <a:defRPr kumimoji="1" sz="1200" b="1" kern="1200" baseline="0">
+                <a:solidFill>
+                  <a:srgbClr val="333333"/>
+                </a:solidFill>
+                <a:latin typeface="メイリオ" panose="020B0604030504040204" pitchFamily="50" charset="-128"/>
+                <a:ea typeface="メイリオ" panose="020B0604030504040204" pitchFamily="50" charset="-128"/>
+                <a:cs typeface="メイリオ" panose="020B0604030504040204" pitchFamily="50" charset="-128"/>
+              </a:defRPr>
+            </a:lvl3pPr>
+            <a:lvl4pPr marL="1371600" marR="0" indent="0" algn="l" defTabSz="914400" rtl="0" eaLnBrk="1" fontAlgn="auto" latinLnBrk="0" hangingPunct="1">
+              <a:lnSpc>
+                <a:spcPct val="100000"/>
+              </a:lnSpc>
+              <a:spcBef>
+                <a:spcPts val="500"/>
+              </a:spcBef>
+              <a:spcAft>
+                <a:spcPts val="0"/>
+              </a:spcAft>
+              <a:buClrTx/>
+              <a:buSzTx/>
+              <a:buFont typeface="Arial" panose="020B0604020202020204" pitchFamily="34" charset="0"/>
+              <a:buNone/>
+              <a:tabLst/>
+              <a:defRPr kumimoji="1" sz="1050" b="1" kern="1200" baseline="0">
+                <a:solidFill>
+                  <a:srgbClr val="333333"/>
+                </a:solidFill>
+                <a:latin typeface="メイリオ" panose="020B0604030504040204" pitchFamily="50" charset="-128"/>
+                <a:ea typeface="メイリオ" panose="020B0604030504040204" pitchFamily="50" charset="-128"/>
+                <a:cs typeface="メイリオ" panose="020B0604030504040204" pitchFamily="50" charset="-128"/>
+              </a:defRPr>
+            </a:lvl4pPr>
+            <a:lvl5pPr marL="1828800" marR="0" indent="0" algn="l" defTabSz="914400" rtl="0" eaLnBrk="1" fontAlgn="auto" latinLnBrk="0" hangingPunct="1">
+              <a:lnSpc>
+                <a:spcPct val="100000"/>
+              </a:lnSpc>
+              <a:spcBef>
+                <a:spcPts val="500"/>
+              </a:spcBef>
+              <a:spcAft>
+                <a:spcPts val="0"/>
+              </a:spcAft>
+              <a:buClrTx/>
+              <a:buSzTx/>
+              <a:buFont typeface="Arial" panose="020B0604020202020204" pitchFamily="34" charset="0"/>
+              <a:buNone/>
+              <a:tabLst/>
+              <a:defRPr kumimoji="1" sz="900" b="1" kern="1200" baseline="0">
+                <a:solidFill>
+                  <a:srgbClr val="333333"/>
+                </a:solidFill>
+                <a:latin typeface="メイリオ" panose="020B0604030504040204" pitchFamily="50" charset="-128"/>
+                <a:ea typeface="メイリオ" panose="020B0604030504040204" pitchFamily="50" charset="-128"/>
+                <a:cs typeface="メイリオ" panose="020B0604030504040204" pitchFamily="50" charset="-128"/>
+              </a:defRPr>
+            </a:lvl5pPr>
+            <a:lvl6pPr marL="2514600" indent="-228600" algn="l" defTabSz="914400" rtl="0" eaLnBrk="1" latinLnBrk="0" hangingPunct="1">
+              <a:spcBef>
+                <a:spcPct val="20000"/>
+              </a:spcBef>
+              <a:buFont typeface="Arial" panose="020B0604020202020204" pitchFamily="34" charset="0"/>
+              <a:buChar char="•"/>
+              <a:defRPr kumimoji="1" sz="2000" kern="1200">
+                <a:solidFill>
+                  <a:schemeClr val="tx1"/>
+                </a:solidFill>
+                <a:latin typeface="+mn-lt"/>
+                <a:ea typeface="+mn-ea"/>
+                <a:cs typeface="+mn-cs"/>
+              </a:defRPr>
+            </a:lvl6pPr>
+            <a:lvl7pPr marL="2971800" indent="-228600" algn="l" defTabSz="914400" rtl="0" eaLnBrk="1" latinLnBrk="0" hangingPunct="1">
+              <a:spcBef>
+                <a:spcPct val="20000"/>
+              </a:spcBef>
+              <a:buFont typeface="Arial" panose="020B0604020202020204" pitchFamily="34" charset="0"/>
+              <a:buChar char="•"/>
+              <a:defRPr kumimoji="1" sz="2000" kern="1200">
+                <a:solidFill>
+                  <a:schemeClr val="tx1"/>
+                </a:solidFill>
+                <a:latin typeface="+mn-lt"/>
+                <a:ea typeface="+mn-ea"/>
+                <a:cs typeface="+mn-cs"/>
+              </a:defRPr>
+            </a:lvl7pPr>
+            <a:lvl8pPr marL="3429000" indent="-228600" algn="l" defTabSz="914400" rtl="0" eaLnBrk="1" latinLnBrk="0" hangingPunct="1">
+              <a:spcBef>
+                <a:spcPct val="20000"/>
+              </a:spcBef>
+              <a:buFont typeface="Arial" panose="020B0604020202020204" pitchFamily="34" charset="0"/>
+              <a:buChar char="•"/>
+              <a:defRPr kumimoji="1" sz="2000" kern="1200">
+                <a:solidFill>
+                  <a:schemeClr val="tx1"/>
+                </a:solidFill>
+                <a:latin typeface="+mn-lt"/>
+                <a:ea typeface="+mn-ea"/>
+                <a:cs typeface="+mn-cs"/>
+              </a:defRPr>
+            </a:lvl8pPr>
+            <a:lvl9pPr marL="3886200" indent="-228600" algn="l" defTabSz="914400" rtl="0" eaLnBrk="1" latinLnBrk="0" hangingPunct="1">
+              <a:spcBef>
+                <a:spcPct val="20000"/>
+              </a:spcBef>
+              <a:buFont typeface="Arial" panose="020B0604020202020204" pitchFamily="34" charset="0"/>
+              <a:buChar char="•"/>
+              <a:defRPr kumimoji="1" sz="2000" kern="1200">
+                <a:solidFill>
+                  <a:schemeClr val="tx1"/>
+                </a:solidFill>
+                <a:latin typeface="+mn-lt"/>
+                <a:ea typeface="+mn-ea"/>
+                <a:cs typeface="+mn-cs"/>
+              </a:defRPr>
+            </a:lvl9pPr>
+          </a:lstStyle>
+          <a:p>
+            <a:endParaRPr lang="en-US" altLang="ja-JP" dirty="0"/>
+          </a:p>
+        </p:txBody>
+      </p:sp>
+      <p:cxnSp>
+        <p:nvCxnSpPr>
+          <p:cNvPr id="23" name="直線矢印コネクタ 22">
+            <a:extLst>
+              <a:ext uri="{FF2B5EF4-FFF2-40B4-BE49-F238E27FC236}">
+                <a16:creationId xmlns:a16="http://schemas.microsoft.com/office/drawing/2014/main" id="{A237F371-D4D4-B08C-CA91-252007A3455A}"/>
+              </a:ext>
+            </a:extLst>
+          </p:cNvPr>
+          <p:cNvCxnSpPr>
+            <a:cxnSpLocks/>
+            <a:stCxn id="1026" idx="3"/>
+            <a:endCxn id="24" idx="1"/>
+          </p:cNvCxnSpPr>
+          <p:nvPr/>
+        </p:nvCxnSpPr>
+        <p:spPr>
+          <a:xfrm flipV="1">
+            <a:off x="4911662" y="4535430"/>
+            <a:ext cx="728697" cy="1"/>
+          </a:xfrm>
+          <a:prstGeom prst="straightConnector1">
+            <a:avLst/>
+          </a:prstGeom>
+          <a:ln>
+            <a:tailEnd type="triangle"/>
+          </a:ln>
+        </p:spPr>
+        <p:style>
+          <a:lnRef idx="1">
+            <a:schemeClr val="accent1"/>
+          </a:lnRef>
+          <a:fillRef idx="0">
+            <a:schemeClr val="accent1"/>
+          </a:fillRef>
+          <a:effectRef idx="0">
+            <a:schemeClr val="accent1"/>
+          </a:effectRef>
+          <a:fontRef idx="minor">
+            <a:schemeClr val="tx1"/>
+          </a:fontRef>
+        </p:style>
+      </p:cxnSp>
+      <p:sp>
+        <p:nvSpPr>
+          <p:cNvPr id="24" name="テキスト ボックス 23">
+            <a:extLst>
+              <a:ext uri="{FF2B5EF4-FFF2-40B4-BE49-F238E27FC236}">
+                <a16:creationId xmlns:a16="http://schemas.microsoft.com/office/drawing/2014/main" id="{B127C7CC-D7E7-CF73-C675-B85DD966EEA7}"/>
+              </a:ext>
+            </a:extLst>
+          </p:cNvPr>
+          <p:cNvSpPr txBox="1"/>
+          <p:nvPr/>
+        </p:nvSpPr>
+        <p:spPr>
+          <a:xfrm>
+            <a:off x="5640359" y="4350764"/>
+            <a:ext cx="2262158" cy="369332"/>
+          </a:xfrm>
+          <a:prstGeom prst="rect">
+            <a:avLst/>
+          </a:prstGeom>
+          <a:noFill/>
+        </p:spPr>
+        <p:txBody>
+          <a:bodyPr wrap="none" rtlCol="0">
+            <a:spAutoFit/>
+          </a:bodyPr>
+          <a:lstStyle/>
+          <a:p>
+            <a:r>
+              <a:rPr kumimoji="1" lang="ja-JP" altLang="en-US" dirty="0"/>
+              <a:t>適正なかんばん設計</a:t>
+            </a:r>
+          </a:p>
+        </p:txBody>
+      </p:sp>
+      <p:sp>
+        <p:nvSpPr>
+          <p:cNvPr id="27" name="テキスト ボックス 26">
+            <a:extLst>
+              <a:ext uri="{FF2B5EF4-FFF2-40B4-BE49-F238E27FC236}">
+                <a16:creationId xmlns:a16="http://schemas.microsoft.com/office/drawing/2014/main" id="{9F229C51-48CC-B5AA-82B4-AE5DFC61CA1F}"/>
+              </a:ext>
+            </a:extLst>
+          </p:cNvPr>
+          <p:cNvSpPr txBox="1"/>
+          <p:nvPr/>
+        </p:nvSpPr>
+        <p:spPr>
+          <a:xfrm>
+            <a:off x="3976012" y="5074181"/>
+            <a:ext cx="856325" cy="369332"/>
+          </a:xfrm>
+          <a:prstGeom prst="rect">
+            <a:avLst/>
+          </a:prstGeom>
+          <a:noFill/>
+        </p:spPr>
+        <p:txBody>
+          <a:bodyPr wrap="none" rtlCol="0">
+            <a:spAutoFit/>
+          </a:bodyPr>
+          <a:lstStyle/>
+          <a:p>
+            <a:r>
+              <a:rPr kumimoji="1" lang="ja-JP" altLang="en-US" dirty="0"/>
+              <a:t>生成</a:t>
+            </a:r>
+            <a:r>
+              <a:rPr kumimoji="1" lang="en-US" altLang="ja-JP" dirty="0"/>
+              <a:t>AI</a:t>
+            </a:r>
+            <a:endParaRPr kumimoji="1" lang="ja-JP" altLang="en-US" dirty="0"/>
+          </a:p>
+        </p:txBody>
+      </p:sp>
+      <p:sp>
+        <p:nvSpPr>
+          <p:cNvPr id="30" name="テキスト ボックス 29">
+            <a:extLst>
+              <a:ext uri="{FF2B5EF4-FFF2-40B4-BE49-F238E27FC236}">
+                <a16:creationId xmlns:a16="http://schemas.microsoft.com/office/drawing/2014/main" id="{E2DBB821-4E8F-4CF1-06C9-F6E41E8EC108}"/>
+              </a:ext>
+            </a:extLst>
+          </p:cNvPr>
+          <p:cNvSpPr txBox="1"/>
+          <p:nvPr/>
+        </p:nvSpPr>
+        <p:spPr>
+          <a:xfrm>
+            <a:off x="8295312" y="3020452"/>
+            <a:ext cx="3185487" cy="369332"/>
+          </a:xfrm>
+          <a:prstGeom prst="rect">
+            <a:avLst/>
+          </a:prstGeom>
+          <a:solidFill>
+            <a:schemeClr val="accent3">
+              <a:lumMod val="20000"/>
+              <a:lumOff val="80000"/>
+            </a:schemeClr>
+          </a:solidFill>
+        </p:spPr>
+        <p:txBody>
+          <a:bodyPr wrap="none" rtlCol="0">
+            <a:spAutoFit/>
+          </a:bodyPr>
+          <a:lstStyle/>
+          <a:p>
+            <a:r>
+              <a:rPr lang="ja-JP" altLang="en-US" dirty="0"/>
+              <a:t>期待効果①：かんばん数低減</a:t>
+            </a:r>
+            <a:endParaRPr kumimoji="1" lang="ja-JP" altLang="en-US" dirty="0"/>
+          </a:p>
+        </p:txBody>
+      </p:sp>
+      <p:sp>
+        <p:nvSpPr>
+          <p:cNvPr id="32" name="吹き出し: 四角形 31">
+            <a:extLst>
+              <a:ext uri="{FF2B5EF4-FFF2-40B4-BE49-F238E27FC236}">
+                <a16:creationId xmlns:a16="http://schemas.microsoft.com/office/drawing/2014/main" id="{BAD2ED24-5D3C-0C16-7521-0F90F58FA655}"/>
+              </a:ext>
+            </a:extLst>
+          </p:cNvPr>
+          <p:cNvSpPr/>
+          <p:nvPr/>
+        </p:nvSpPr>
+        <p:spPr>
+          <a:xfrm>
+            <a:off x="7408985" y="132009"/>
+            <a:ext cx="4528047" cy="732227"/>
+          </a:xfrm>
+          <a:prstGeom prst="wedgeRectCallout">
+            <a:avLst>
+              <a:gd name="adj1" fmla="val -37772"/>
+              <a:gd name="adj2" fmla="val 90180"/>
+            </a:avLst>
+          </a:prstGeom>
+          <a:solidFill>
+            <a:schemeClr val="bg1"/>
+          </a:solidFill>
+        </p:spPr>
+        <p:style>
+          <a:lnRef idx="2">
+            <a:schemeClr val="accent1">
+              <a:shade val="15000"/>
+            </a:schemeClr>
+          </a:lnRef>
+          <a:fillRef idx="1">
+            <a:schemeClr val="accent1"/>
+          </a:fillRef>
+          <a:effectRef idx="0">
+            <a:schemeClr val="accent1"/>
+          </a:effectRef>
+          <a:fontRef idx="minor">
+            <a:schemeClr val="lt1"/>
+          </a:fontRef>
+        </p:style>
+        <p:txBody>
+          <a:bodyPr rtlCol="0" anchor="ctr"/>
+          <a:lstStyle/>
+          <a:p>
+            <a:r>
+              <a:rPr kumimoji="1" lang="ja-JP" altLang="en-US" dirty="0">
+                <a:solidFill>
+                  <a:schemeClr val="tx1"/>
+                </a:solidFill>
+              </a:rPr>
+              <a:t>かんばん総発行枚数 ≒ </a:t>
+            </a:r>
+            <a:r>
+              <a:rPr lang="ja-JP" altLang="en-US" dirty="0">
+                <a:solidFill>
+                  <a:schemeClr val="tx1"/>
+                </a:solidFill>
+              </a:rPr>
+              <a:t>工程スルーの在庫</a:t>
+            </a:r>
+            <a:endParaRPr lang="en-US" altLang="ja-JP" dirty="0">
+              <a:solidFill>
+                <a:schemeClr val="tx1"/>
+              </a:solidFill>
+            </a:endParaRPr>
+          </a:p>
+          <a:p>
+            <a:r>
+              <a:rPr lang="ja-JP" altLang="en-US" dirty="0">
+                <a:solidFill>
+                  <a:schemeClr val="tx1"/>
+                </a:solidFill>
+              </a:rPr>
+              <a:t>設定には深いドメイン知識が必要</a:t>
+            </a:r>
+            <a:endParaRPr kumimoji="1" lang="ja-JP" altLang="en-US" dirty="0"/>
+          </a:p>
+        </p:txBody>
+      </p:sp>
+      <p:sp>
+        <p:nvSpPr>
+          <p:cNvPr id="34" name="テキスト ボックス 33">
+            <a:extLst>
+              <a:ext uri="{FF2B5EF4-FFF2-40B4-BE49-F238E27FC236}">
+                <a16:creationId xmlns:a16="http://schemas.microsoft.com/office/drawing/2014/main" id="{2F65AA84-8FD6-95AA-CCC3-08AE25BF7350}"/>
+              </a:ext>
+            </a:extLst>
+          </p:cNvPr>
+          <p:cNvSpPr txBox="1"/>
+          <p:nvPr/>
+        </p:nvSpPr>
+        <p:spPr>
+          <a:xfrm>
+            <a:off x="8295312" y="4940830"/>
+            <a:ext cx="2262158" cy="369332"/>
+          </a:xfrm>
+          <a:prstGeom prst="rect">
+            <a:avLst/>
+          </a:prstGeom>
+          <a:solidFill>
+            <a:schemeClr val="accent3">
+              <a:lumMod val="20000"/>
+              <a:lumOff val="80000"/>
+            </a:schemeClr>
+          </a:solidFill>
+        </p:spPr>
+        <p:txBody>
+          <a:bodyPr wrap="none" rtlCol="0">
+            <a:spAutoFit/>
+          </a:bodyPr>
+          <a:lstStyle/>
+          <a:p>
+            <a:r>
+              <a:rPr kumimoji="1" lang="ja-JP" altLang="en-US" dirty="0"/>
+              <a:t>期待効果②：少人化</a:t>
+            </a:r>
+            <a:endParaRPr kumimoji="1" lang="en-US" altLang="ja-JP" dirty="0"/>
+          </a:p>
+        </p:txBody>
+      </p:sp>
+      <p:sp>
+        <p:nvSpPr>
+          <p:cNvPr id="36" name="テキスト ボックス 35">
+            <a:extLst>
+              <a:ext uri="{FF2B5EF4-FFF2-40B4-BE49-F238E27FC236}">
+                <a16:creationId xmlns:a16="http://schemas.microsoft.com/office/drawing/2014/main" id="{291200F8-9E3A-A5E7-76E1-766D5FBC94E9}"/>
+              </a:ext>
+            </a:extLst>
+          </p:cNvPr>
+          <p:cNvSpPr txBox="1"/>
+          <p:nvPr/>
+        </p:nvSpPr>
+        <p:spPr>
+          <a:xfrm>
+            <a:off x="8295313" y="3556237"/>
+            <a:ext cx="2723823" cy="1200329"/>
+          </a:xfrm>
+          <a:prstGeom prst="rect">
+            <a:avLst/>
+          </a:prstGeom>
+          <a:noFill/>
+        </p:spPr>
+        <p:txBody>
+          <a:bodyPr wrap="none" rtlCol="0">
+            <a:spAutoFit/>
+          </a:bodyPr>
+          <a:lstStyle/>
+          <a:p>
+            <a:r>
+              <a:rPr kumimoji="1" lang="ja-JP" altLang="en-US" dirty="0"/>
+              <a:t>○○枚削減（</a:t>
+            </a:r>
+            <a:r>
+              <a:rPr kumimoji="1" lang="en-US" altLang="ja-JP" dirty="0"/>
+              <a:t>T403</a:t>
+            </a:r>
+            <a:r>
+              <a:rPr kumimoji="1" lang="ja-JP" altLang="en-US" dirty="0"/>
+              <a:t>）</a:t>
+            </a:r>
+            <a:endParaRPr kumimoji="1" lang="en-US" altLang="ja-JP" dirty="0"/>
+          </a:p>
+          <a:p>
+            <a:endParaRPr lang="en-US" altLang="ja-JP" dirty="0"/>
+          </a:p>
+          <a:p>
+            <a:r>
+              <a:rPr lang="ja-JP" altLang="en-US" dirty="0"/>
+              <a:t>全社に展開できれば、、</a:t>
+            </a:r>
+            <a:endParaRPr lang="en-US" altLang="ja-JP" dirty="0"/>
+          </a:p>
+          <a:p>
+            <a:r>
+              <a:rPr lang="ja-JP" altLang="en-US" dirty="0"/>
+              <a:t>数十億円？？</a:t>
+            </a:r>
+            <a:endParaRPr lang="en-US" altLang="ja-JP" dirty="0"/>
+          </a:p>
+        </p:txBody>
+      </p:sp>
+      <p:sp>
+        <p:nvSpPr>
+          <p:cNvPr id="38" name="テキスト ボックス 37">
+            <a:extLst>
+              <a:ext uri="{FF2B5EF4-FFF2-40B4-BE49-F238E27FC236}">
+                <a16:creationId xmlns:a16="http://schemas.microsoft.com/office/drawing/2014/main" id="{9E84FAA1-7080-0848-77BD-580BA2633BC3}"/>
+              </a:ext>
+            </a:extLst>
+          </p:cNvPr>
+          <p:cNvSpPr txBox="1"/>
+          <p:nvPr/>
+        </p:nvSpPr>
+        <p:spPr>
+          <a:xfrm>
+            <a:off x="8272230" y="5527632"/>
+            <a:ext cx="5493812" cy="646331"/>
+          </a:xfrm>
+          <a:prstGeom prst="rect">
+            <a:avLst/>
+          </a:prstGeom>
+          <a:solidFill>
+            <a:schemeClr val="bg1"/>
+          </a:solidFill>
+        </p:spPr>
+        <p:txBody>
+          <a:bodyPr wrap="none" rtlCol="0">
+            <a:spAutoFit/>
+          </a:bodyPr>
+          <a:lstStyle/>
+          <a:p>
+            <a:r>
+              <a:rPr lang="ja-JP" altLang="en-US" dirty="0"/>
+              <a:t>エージェント型なら工務の代わりになる</a:t>
+            </a:r>
+            <a:endParaRPr lang="en-US" altLang="ja-JP" dirty="0"/>
+          </a:p>
+          <a:p>
+            <a:r>
+              <a:rPr lang="ja-JP" altLang="en-US" dirty="0"/>
+              <a:t>調達や整備課などの問い合わせ対応もできれば、、</a:t>
+            </a:r>
+            <a:endParaRPr lang="en-US" altLang="ja-JP" dirty="0"/>
+          </a:p>
+        </p:txBody>
+      </p:sp>
+    </p:spTree>
+    <p:extLst>
+      <p:ext uri="{BB962C8B-B14F-4D97-AF65-F5344CB8AC3E}">
+        <p14:creationId xmlns:p14="http://schemas.microsoft.com/office/powerpoint/2010/main" val="4237918891"/>
       </p:ext>
     </p:extLst>
   </p:cSld>
@@ -45858,7 +46984,7 @@
             <a:fld id="{FCAFAC13-DB77-42F2-BE26-45BA5532FD50}" type="datetime4">
               <a:rPr lang="en-US" altLang="ja-JP" smtClean="0"/>
               <a:pPr/>
-              <a:t>March 16, 2025</a:t>
+              <a:t>March 20, 2025</a:t>
             </a:fld>
             <a:endParaRPr lang="en-US" dirty="0"/>
           </a:p>
@@ -46969,7 +48095,7 @@
             <a:fld id="{FCAFAC13-DB77-42F2-BE26-45BA5532FD50}" type="datetime4">
               <a:rPr lang="en-US" altLang="ja-JP" smtClean="0"/>
               <a:pPr/>
-              <a:t>March 16, 2025</a:t>
+              <a:t>March 20, 2025</a:t>
             </a:fld>
             <a:endParaRPr lang="en-US" dirty="0"/>
           </a:p>
@@ -47822,7 +48948,7 @@
             <a:fld id="{FCAFAC13-DB77-42F2-BE26-45BA5532FD50}" type="datetime4">
               <a:rPr lang="en-US" altLang="ja-JP" smtClean="0"/>
               <a:pPr/>
-              <a:t>March 16, 2025</a:t>
+              <a:t>March 20, 2025</a:t>
             </a:fld>
             <a:endParaRPr lang="en-US" dirty="0"/>
           </a:p>
@@ -48353,7 +49479,7 @@
             <a:fld id="{FCAFAC13-DB77-42F2-BE26-45BA5532FD50}" type="datetime4">
               <a:rPr lang="en-US" altLang="ja-JP" smtClean="0"/>
               <a:pPr/>
-              <a:t>March 16, 2025</a:t>
+              <a:t>March 20, 2025</a:t>
             </a:fld>
             <a:endParaRPr lang="en-US" dirty="0"/>
           </a:p>
@@ -48583,7 +49709,7 @@
             <a:fld id="{FCAFAC13-DB77-42F2-BE26-45BA5532FD50}" type="datetime4">
               <a:rPr lang="en-US" altLang="ja-JP" smtClean="0"/>
               <a:pPr/>
-              <a:t>March 16, 2025</a:t>
+              <a:t>March 20, 2025</a:t>
             </a:fld>
             <a:endParaRPr lang="en-US" dirty="0"/>
           </a:p>
@@ -50385,7 +51511,7 @@
             <a:fld id="{FCAFAC13-DB77-42F2-BE26-45BA5532FD50}" type="datetime4">
               <a:rPr lang="en-US" altLang="ja-JP" smtClean="0"/>
               <a:pPr/>
-              <a:t>March 16, 2025</a:t>
+              <a:t>March 20, 2025</a:t>
             </a:fld>
             <a:endParaRPr lang="en-US" dirty="0"/>
           </a:p>
@@ -51114,7 +52240,7 @@
             <a:fld id="{FCAFAC13-DB77-42F2-BE26-45BA5532FD50}" type="datetime4">
               <a:rPr lang="en-US" altLang="ja-JP" smtClean="0"/>
               <a:pPr/>
-              <a:t>March 16, 2025</a:t>
+              <a:t>March 20, 2025</a:t>
             </a:fld>
             <a:endParaRPr lang="en-US" dirty="0"/>
           </a:p>
